--- a/clases/Cap03_DeepLearning/presentations/CV03_Project-2024.pptx
+++ b/clases/Cap03_DeepLearning/presentations/CV03_Project-2024.pptx
@@ -282,7 +282,7 @@
           <a:p>
             <a:fld id="{08E859BF-103A-124E-BB0E-D80502AA6328}" type="datetimeFigureOut">
               <a:rPr lang="en-CL" smtClean="0"/>
-              <a:t>10-10-24</a:t>
+              <a:t>17-10-24</a:t>
             </a:fld>
             <a:endParaRPr lang="en-CL"/>
           </a:p>
@@ -482,7 +482,7 @@
           <a:p>
             <a:fld id="{08E859BF-103A-124E-BB0E-D80502AA6328}" type="datetimeFigureOut">
               <a:rPr lang="en-CL" smtClean="0"/>
-              <a:t>10-10-24</a:t>
+              <a:t>17-10-24</a:t>
             </a:fld>
             <a:endParaRPr lang="en-CL"/>
           </a:p>
@@ -692,7 +692,7 @@
           <a:p>
             <a:fld id="{08E859BF-103A-124E-BB0E-D80502AA6328}" type="datetimeFigureOut">
               <a:rPr lang="en-CL" smtClean="0"/>
-              <a:t>10-10-24</a:t>
+              <a:t>17-10-24</a:t>
             </a:fld>
             <a:endParaRPr lang="en-CL"/>
           </a:p>
@@ -892,7 +892,7 @@
           <a:p>
             <a:fld id="{08E859BF-103A-124E-BB0E-D80502AA6328}" type="datetimeFigureOut">
               <a:rPr lang="en-CL" smtClean="0"/>
-              <a:t>10-10-24</a:t>
+              <a:t>17-10-24</a:t>
             </a:fld>
             <a:endParaRPr lang="en-CL"/>
           </a:p>
@@ -1168,7 +1168,7 @@
           <a:p>
             <a:fld id="{08E859BF-103A-124E-BB0E-D80502AA6328}" type="datetimeFigureOut">
               <a:rPr lang="en-CL" smtClean="0"/>
-              <a:t>10-10-24</a:t>
+              <a:t>17-10-24</a:t>
             </a:fld>
             <a:endParaRPr lang="en-CL"/>
           </a:p>
@@ -1436,7 +1436,7 @@
           <a:p>
             <a:fld id="{08E859BF-103A-124E-BB0E-D80502AA6328}" type="datetimeFigureOut">
               <a:rPr lang="en-CL" smtClean="0"/>
-              <a:t>10-10-24</a:t>
+              <a:t>17-10-24</a:t>
             </a:fld>
             <a:endParaRPr lang="en-CL"/>
           </a:p>
@@ -1851,7 +1851,7 @@
           <a:p>
             <a:fld id="{08E859BF-103A-124E-BB0E-D80502AA6328}" type="datetimeFigureOut">
               <a:rPr lang="en-CL" smtClean="0"/>
-              <a:t>10-10-24</a:t>
+              <a:t>17-10-24</a:t>
             </a:fld>
             <a:endParaRPr lang="en-CL"/>
           </a:p>
@@ -1993,7 +1993,7 @@
           <a:p>
             <a:fld id="{08E859BF-103A-124E-BB0E-D80502AA6328}" type="datetimeFigureOut">
               <a:rPr lang="en-CL" smtClean="0"/>
-              <a:t>10-10-24</a:t>
+              <a:t>17-10-24</a:t>
             </a:fld>
             <a:endParaRPr lang="en-CL"/>
           </a:p>
@@ -2106,7 +2106,7 @@
           <a:p>
             <a:fld id="{08E859BF-103A-124E-BB0E-D80502AA6328}" type="datetimeFigureOut">
               <a:rPr lang="en-CL" smtClean="0"/>
-              <a:t>10-10-24</a:t>
+              <a:t>17-10-24</a:t>
             </a:fld>
             <a:endParaRPr lang="en-CL"/>
           </a:p>
@@ -2419,7 +2419,7 @@
           <a:p>
             <a:fld id="{08E859BF-103A-124E-BB0E-D80502AA6328}" type="datetimeFigureOut">
               <a:rPr lang="en-CL" smtClean="0"/>
-              <a:t>10-10-24</a:t>
+              <a:t>17-10-24</a:t>
             </a:fld>
             <a:endParaRPr lang="en-CL"/>
           </a:p>
@@ -2708,7 +2708,7 @@
           <a:p>
             <a:fld id="{08E859BF-103A-124E-BB0E-D80502AA6328}" type="datetimeFigureOut">
               <a:rPr lang="en-CL" smtClean="0"/>
-              <a:t>10-10-24</a:t>
+              <a:t>17-10-24</a:t>
             </a:fld>
             <a:endParaRPr lang="en-CL"/>
           </a:p>
@@ -2951,7 +2951,7 @@
           <a:p>
             <a:fld id="{08E859BF-103A-124E-BB0E-D80502AA6328}" type="datetimeFigureOut">
               <a:rPr lang="en-CL" smtClean="0"/>
-              <a:t>10-10-24</a:t>
+              <a:t>17-10-24</a:t>
             </a:fld>
             <a:endParaRPr lang="en-CL"/>
           </a:p>
@@ -4698,7 +4698,7 @@
             </a:pPr>
             <a:r>
               <a:rPr lang="en-CL" dirty="0"/>
-              <a:t>3) Save: guardar con el nombre ABCnn_mm.png</a:t>
+              <a:t>3) Save: guardar con el nombre ABCnn_mm.jpg</a:t>
             </a:r>
           </a:p>
         </p:txBody>
